--- a/Documents/Sleep Quality Evaluation Introduction.pptx
+++ b/Documents/Sleep Quality Evaluation Introduction.pptx
@@ -8,6 +8,8 @@
     <p:sldId id="257" r:id="rId2"/>
     <p:sldId id="258" r:id="rId3"/>
     <p:sldId id="259" r:id="rId4"/>
+    <p:sldId id="256" r:id="rId5"/>
+    <p:sldId id="260" r:id="rId6"/>
   </p:sldIdLst>
   <p:sldSz cx="12192000" cy="6858000"/>
   <p:notesSz cx="6858000" cy="9144000"/>
@@ -261,7 +263,7 @@
           <a:p>
             <a:fld id="{A1110201-D5EA-4F04-A9D8-C19BC64741E4}" type="datetimeFigureOut">
               <a:rPr lang="zh-CN" altLang="en-US" smtClean="0"/>
-              <a:t>2021/1/27</a:t>
+              <a:t>2021/1/26</a:t>
             </a:fld>
             <a:endParaRPr lang="zh-CN" altLang="en-US"/>
           </a:p>
@@ -459,7 +461,7 @@
           <a:p>
             <a:fld id="{A1110201-D5EA-4F04-A9D8-C19BC64741E4}" type="datetimeFigureOut">
               <a:rPr lang="zh-CN" altLang="en-US" smtClean="0"/>
-              <a:t>2021/1/27</a:t>
+              <a:t>2021/1/26</a:t>
             </a:fld>
             <a:endParaRPr lang="zh-CN" altLang="en-US"/>
           </a:p>
@@ -667,7 +669,7 @@
           <a:p>
             <a:fld id="{A1110201-D5EA-4F04-A9D8-C19BC64741E4}" type="datetimeFigureOut">
               <a:rPr lang="zh-CN" altLang="en-US" smtClean="0"/>
-              <a:t>2021/1/27</a:t>
+              <a:t>2021/1/26</a:t>
             </a:fld>
             <a:endParaRPr lang="zh-CN" altLang="en-US"/>
           </a:p>
@@ -865,7 +867,7 @@
           <a:p>
             <a:fld id="{A1110201-D5EA-4F04-A9D8-C19BC64741E4}" type="datetimeFigureOut">
               <a:rPr lang="zh-CN" altLang="en-US" smtClean="0"/>
-              <a:t>2021/1/27</a:t>
+              <a:t>2021/1/26</a:t>
             </a:fld>
             <a:endParaRPr lang="zh-CN" altLang="en-US"/>
           </a:p>
@@ -1140,7 +1142,7 @@
           <a:p>
             <a:fld id="{A1110201-D5EA-4F04-A9D8-C19BC64741E4}" type="datetimeFigureOut">
               <a:rPr lang="zh-CN" altLang="en-US" smtClean="0"/>
-              <a:t>2021/1/27</a:t>
+              <a:t>2021/1/26</a:t>
             </a:fld>
             <a:endParaRPr lang="zh-CN" altLang="en-US"/>
           </a:p>
@@ -1405,7 +1407,7 @@
           <a:p>
             <a:fld id="{A1110201-D5EA-4F04-A9D8-C19BC64741E4}" type="datetimeFigureOut">
               <a:rPr lang="zh-CN" altLang="en-US" smtClean="0"/>
-              <a:t>2021/1/27</a:t>
+              <a:t>2021/1/26</a:t>
             </a:fld>
             <a:endParaRPr lang="zh-CN" altLang="en-US"/>
           </a:p>
@@ -1817,7 +1819,7 @@
           <a:p>
             <a:fld id="{A1110201-D5EA-4F04-A9D8-C19BC64741E4}" type="datetimeFigureOut">
               <a:rPr lang="zh-CN" altLang="en-US" smtClean="0"/>
-              <a:t>2021/1/27</a:t>
+              <a:t>2021/1/26</a:t>
             </a:fld>
             <a:endParaRPr lang="zh-CN" altLang="en-US"/>
           </a:p>
@@ -1958,7 +1960,7 @@
           <a:p>
             <a:fld id="{A1110201-D5EA-4F04-A9D8-C19BC64741E4}" type="datetimeFigureOut">
               <a:rPr lang="zh-CN" altLang="en-US" smtClean="0"/>
-              <a:t>2021/1/27</a:t>
+              <a:t>2021/1/26</a:t>
             </a:fld>
             <a:endParaRPr lang="zh-CN" altLang="en-US"/>
           </a:p>
@@ -2071,7 +2073,7 @@
           <a:p>
             <a:fld id="{A1110201-D5EA-4F04-A9D8-C19BC64741E4}" type="datetimeFigureOut">
               <a:rPr lang="zh-CN" altLang="en-US" smtClean="0"/>
-              <a:t>2021/1/27</a:t>
+              <a:t>2021/1/26</a:t>
             </a:fld>
             <a:endParaRPr lang="zh-CN" altLang="en-US"/>
           </a:p>
@@ -2382,7 +2384,7 @@
           <a:p>
             <a:fld id="{A1110201-D5EA-4F04-A9D8-C19BC64741E4}" type="datetimeFigureOut">
               <a:rPr lang="zh-CN" altLang="en-US" smtClean="0"/>
-              <a:t>2021/1/27</a:t>
+              <a:t>2021/1/26</a:t>
             </a:fld>
             <a:endParaRPr lang="zh-CN" altLang="en-US"/>
           </a:p>
@@ -2670,7 +2672,7 @@
           <a:p>
             <a:fld id="{A1110201-D5EA-4F04-A9D8-C19BC64741E4}" type="datetimeFigureOut">
               <a:rPr lang="zh-CN" altLang="en-US" smtClean="0"/>
-              <a:t>2021/1/27</a:t>
+              <a:t>2021/1/26</a:t>
             </a:fld>
             <a:endParaRPr lang="zh-CN" altLang="en-US"/>
           </a:p>
@@ -2911,7 +2913,7 @@
           <a:p>
             <a:fld id="{A1110201-D5EA-4F04-A9D8-C19BC64741E4}" type="datetimeFigureOut">
               <a:rPr lang="zh-CN" altLang="en-US" smtClean="0"/>
-              <a:t>2021/1/27</a:t>
+              <a:t>2021/1/26</a:t>
             </a:fld>
             <a:endParaRPr lang="zh-CN" altLang="en-US"/>
           </a:p>
@@ -4431,6 +4433,1404 @@
 </p:sld>
 </file>
 
+<file path=ppt/slides/slide4.xml><?xml version="1.0" encoding="utf-8"?>
+<p:sld xmlns:a="http://schemas.openxmlformats.org/drawingml/2006/main" xmlns:r="http://schemas.openxmlformats.org/officeDocument/2006/relationships" xmlns:p="http://schemas.openxmlformats.org/presentationml/2006/main">
+  <p:cSld>
+    <p:spTree>
+      <p:nvGrpSpPr>
+        <p:cNvPr id="1" name=""/>
+        <p:cNvGrpSpPr/>
+        <p:nvPr/>
+      </p:nvGrpSpPr>
+      <p:grpSpPr>
+        <a:xfrm>
+          <a:off x="0" y="0"/>
+          <a:ext cx="0" cy="0"/>
+          <a:chOff x="0" y="0"/>
+          <a:chExt cx="0" cy="0"/>
+        </a:xfrm>
+      </p:grpSpPr>
+      <p:cxnSp>
+        <p:nvCxnSpPr>
+          <p:cNvPr id="48" name="直接箭头连接符 47"/>
+          <p:cNvCxnSpPr>
+            <a:cxnSpLocks/>
+          </p:cNvCxnSpPr>
+          <p:nvPr/>
+        </p:nvCxnSpPr>
+        <p:spPr>
+          <a:xfrm flipV="1">
+            <a:off x="2475637" y="1074348"/>
+            <a:ext cx="0" cy="15875"/>
+          </a:xfrm>
+          <a:prstGeom prst="straightConnector1">
+            <a:avLst/>
+          </a:prstGeom>
+          <a:ln>
+            <a:tailEnd type="arrow"/>
+          </a:ln>
+        </p:spPr>
+        <p:style>
+          <a:lnRef idx="1">
+            <a:schemeClr val="accent1"/>
+          </a:lnRef>
+          <a:fillRef idx="0">
+            <a:schemeClr val="accent1"/>
+          </a:fillRef>
+          <a:effectRef idx="0">
+            <a:schemeClr val="accent1"/>
+          </a:effectRef>
+          <a:fontRef idx="minor">
+            <a:schemeClr val="tx1"/>
+          </a:fontRef>
+        </p:style>
+      </p:cxnSp>
+      <p:pic>
+        <p:nvPicPr>
+          <p:cNvPr id="3" name="图形 5" descr="睡觉">
+            <a:extLst>
+              <a:ext uri="{FF2B5EF4-FFF2-40B4-BE49-F238E27FC236}">
+                <a16:creationId xmlns:a16="http://schemas.microsoft.com/office/drawing/2014/main" id="{F479CFD2-AFD3-8244-9783-9BFBF9A39D68}"/>
+              </a:ext>
+            </a:extLst>
+          </p:cNvPr>
+          <p:cNvPicPr>
+            <a:picLocks noChangeAspect="1"/>
+          </p:cNvPicPr>
+          <p:nvPr/>
+        </p:nvPicPr>
+        <p:blipFill>
+          <a:blip r:embed="rId2">
+            <a:extLst>
+              <a:ext uri="{28A0092B-C50C-407E-A947-70E740481C1C}">
+                <a14:useLocalDpi xmlns:a14="http://schemas.microsoft.com/office/drawing/2010/main" val="0"/>
+              </a:ext>
+              <a:ext uri="{96DAC541-7B7A-43D3-8B79-37D633B846F1}">
+                <asvg:svgBlip xmlns:asvg="http://schemas.microsoft.com/office/drawing/2016/SVG/main" r:embed="rId3"/>
+              </a:ext>
+            </a:extLst>
+          </a:blip>
+          <a:stretch>
+            <a:fillRect/>
+          </a:stretch>
+        </p:blipFill>
+        <p:spPr>
+          <a:xfrm>
+            <a:off x="166629" y="2669618"/>
+            <a:ext cx="1535243" cy="1535243"/>
+          </a:xfrm>
+          <a:prstGeom prst="rect">
+            <a:avLst/>
+          </a:prstGeom>
+        </p:spPr>
+      </p:pic>
+      <p:pic>
+        <p:nvPicPr>
+          <p:cNvPr id="25" name="图形 33" descr="搏动的心">
+            <a:extLst>
+              <a:ext uri="{FF2B5EF4-FFF2-40B4-BE49-F238E27FC236}">
+                <a16:creationId xmlns:a16="http://schemas.microsoft.com/office/drawing/2014/main" id="{B5A2D10D-4C05-4040-A906-2DC1C8E08000}"/>
+              </a:ext>
+            </a:extLst>
+          </p:cNvPr>
+          <p:cNvPicPr>
+            <a:picLocks noChangeAspect="1"/>
+          </p:cNvPicPr>
+          <p:nvPr/>
+        </p:nvPicPr>
+        <p:blipFill>
+          <a:blip r:embed="rId4">
+            <a:extLst>
+              <a:ext uri="{28A0092B-C50C-407E-A947-70E740481C1C}">
+                <a14:useLocalDpi xmlns:a14="http://schemas.microsoft.com/office/drawing/2010/main" val="0"/>
+              </a:ext>
+              <a:ext uri="{96DAC541-7B7A-43D3-8B79-37D633B846F1}">
+                <asvg:svgBlip xmlns:asvg="http://schemas.microsoft.com/office/drawing/2016/SVG/main" r:embed="rId5"/>
+              </a:ext>
+            </a:extLst>
+          </a:blip>
+          <a:stretch>
+            <a:fillRect/>
+          </a:stretch>
+        </p:blipFill>
+        <p:spPr>
+          <a:xfrm>
+            <a:off x="3384743" y="3513518"/>
+            <a:ext cx="831069" cy="831069"/>
+          </a:xfrm>
+          <a:prstGeom prst="rect">
+            <a:avLst/>
+          </a:prstGeom>
+        </p:spPr>
+      </p:pic>
+      <p:pic>
+        <p:nvPicPr>
+          <p:cNvPr id="34" name="图形 34" descr="处理器">
+            <a:extLst>
+              <a:ext uri="{FF2B5EF4-FFF2-40B4-BE49-F238E27FC236}">
+                <a16:creationId xmlns:a16="http://schemas.microsoft.com/office/drawing/2014/main" id="{4AD7125C-1F77-B046-9784-1737BB4943BE}"/>
+              </a:ext>
+            </a:extLst>
+          </p:cNvPr>
+          <p:cNvPicPr>
+            <a:picLocks noChangeAspect="1"/>
+          </p:cNvPicPr>
+          <p:nvPr/>
+        </p:nvPicPr>
+        <p:blipFill>
+          <a:blip r:embed="rId6">
+            <a:extLst>
+              <a:ext uri="{28A0092B-C50C-407E-A947-70E740481C1C}">
+                <a14:useLocalDpi xmlns:a14="http://schemas.microsoft.com/office/drawing/2010/main" val="0"/>
+              </a:ext>
+              <a:ext uri="{96DAC541-7B7A-43D3-8B79-37D633B846F1}">
+                <asvg:svgBlip xmlns:asvg="http://schemas.microsoft.com/office/drawing/2016/SVG/main" r:embed="rId7"/>
+              </a:ext>
+            </a:extLst>
+          </a:blip>
+          <a:stretch>
+            <a:fillRect/>
+          </a:stretch>
+        </p:blipFill>
+        <p:spPr>
+          <a:xfrm>
+            <a:off x="7015911" y="1660465"/>
+            <a:ext cx="1886026" cy="1886026"/>
+          </a:xfrm>
+          <a:prstGeom prst="rect">
+            <a:avLst/>
+          </a:prstGeom>
+        </p:spPr>
+      </p:pic>
+      <p:pic>
+        <p:nvPicPr>
+          <p:cNvPr id="36" name="图形 36" descr="太阳">
+            <a:extLst>
+              <a:ext uri="{FF2B5EF4-FFF2-40B4-BE49-F238E27FC236}">
+                <a16:creationId xmlns:a16="http://schemas.microsoft.com/office/drawing/2014/main" id="{33A88485-D436-0347-9D6C-7A100B1F55A7}"/>
+              </a:ext>
+            </a:extLst>
+          </p:cNvPr>
+          <p:cNvPicPr>
+            <a:picLocks noChangeAspect="1"/>
+          </p:cNvPicPr>
+          <p:nvPr/>
+        </p:nvPicPr>
+        <p:blipFill>
+          <a:blip r:embed="rId8">
+            <a:extLst>
+              <a:ext uri="{28A0092B-C50C-407E-A947-70E740481C1C}">
+                <a14:useLocalDpi xmlns:a14="http://schemas.microsoft.com/office/drawing/2010/main" val="0"/>
+              </a:ext>
+              <a:ext uri="{96DAC541-7B7A-43D3-8B79-37D633B846F1}">
+                <asvg:svgBlip xmlns:asvg="http://schemas.microsoft.com/office/drawing/2016/SVG/main" r:embed="rId9"/>
+              </a:ext>
+            </a:extLst>
+          </a:blip>
+          <a:stretch>
+            <a:fillRect/>
+          </a:stretch>
+        </p:blipFill>
+        <p:spPr>
+          <a:xfrm>
+            <a:off x="3343078" y="4344587"/>
+            <a:ext cx="914400" cy="914400"/>
+          </a:xfrm>
+          <a:prstGeom prst="rect">
+            <a:avLst/>
+          </a:prstGeom>
+        </p:spPr>
+      </p:pic>
+      <p:pic>
+        <p:nvPicPr>
+          <p:cNvPr id="37" name="图形 37" descr="温度计">
+            <a:extLst>
+              <a:ext uri="{FF2B5EF4-FFF2-40B4-BE49-F238E27FC236}">
+                <a16:creationId xmlns:a16="http://schemas.microsoft.com/office/drawing/2014/main" id="{3095DD0D-1E21-DA43-AE58-7C70626B00FD}"/>
+              </a:ext>
+            </a:extLst>
+          </p:cNvPr>
+          <p:cNvPicPr>
+            <a:picLocks noChangeAspect="1"/>
+          </p:cNvPicPr>
+          <p:nvPr/>
+        </p:nvPicPr>
+        <p:blipFill>
+          <a:blip r:embed="rId10">
+            <a:extLst>
+              <a:ext uri="{28A0092B-C50C-407E-A947-70E740481C1C}">
+                <a14:useLocalDpi xmlns:a14="http://schemas.microsoft.com/office/drawing/2010/main" val="0"/>
+              </a:ext>
+              <a:ext uri="{96DAC541-7B7A-43D3-8B79-37D633B846F1}">
+                <asvg:svgBlip xmlns:asvg="http://schemas.microsoft.com/office/drawing/2016/SVG/main" r:embed="rId11"/>
+              </a:ext>
+            </a:extLst>
+          </a:blip>
+          <a:stretch>
+            <a:fillRect/>
+          </a:stretch>
+        </p:blipFill>
+        <p:spPr>
+          <a:xfrm>
+            <a:off x="4311707" y="3471852"/>
+            <a:ext cx="914400" cy="914400"/>
+          </a:xfrm>
+          <a:prstGeom prst="rect">
+            <a:avLst/>
+          </a:prstGeom>
+        </p:spPr>
+      </p:pic>
+      <p:pic>
+        <p:nvPicPr>
+          <p:cNvPr id="38" name="图形 38" descr="水">
+            <a:extLst>
+              <a:ext uri="{FF2B5EF4-FFF2-40B4-BE49-F238E27FC236}">
+                <a16:creationId xmlns:a16="http://schemas.microsoft.com/office/drawing/2014/main" id="{D74E50BC-26CE-8B4C-82FF-FAAE086E85FB}"/>
+              </a:ext>
+            </a:extLst>
+          </p:cNvPr>
+          <p:cNvPicPr>
+            <a:picLocks noChangeAspect="1"/>
+          </p:cNvPicPr>
+          <p:nvPr/>
+        </p:nvPicPr>
+        <p:blipFill>
+          <a:blip r:embed="rId12">
+            <a:extLst>
+              <a:ext uri="{28A0092B-C50C-407E-A947-70E740481C1C}">
+                <a14:useLocalDpi xmlns:a14="http://schemas.microsoft.com/office/drawing/2010/main" val="0"/>
+              </a:ext>
+              <a:ext uri="{96DAC541-7B7A-43D3-8B79-37D633B846F1}">
+                <asvg:svgBlip xmlns:asvg="http://schemas.microsoft.com/office/drawing/2016/SVG/main" r:embed="rId13"/>
+              </a:ext>
+            </a:extLst>
+          </a:blip>
+          <a:stretch>
+            <a:fillRect/>
+          </a:stretch>
+        </p:blipFill>
+        <p:spPr>
+          <a:xfrm>
+            <a:off x="4311707" y="4344587"/>
+            <a:ext cx="914400" cy="914400"/>
+          </a:xfrm>
+          <a:prstGeom prst="rect">
+            <a:avLst/>
+          </a:prstGeom>
+        </p:spPr>
+      </p:pic>
+      <p:pic>
+        <p:nvPicPr>
+          <p:cNvPr id="39" name="图形 46" descr="音量">
+            <a:extLst>
+              <a:ext uri="{FF2B5EF4-FFF2-40B4-BE49-F238E27FC236}">
+                <a16:creationId xmlns:a16="http://schemas.microsoft.com/office/drawing/2014/main" id="{3BC482B3-4A52-3D44-BF34-526AA7B27B24}"/>
+              </a:ext>
+            </a:extLst>
+          </p:cNvPr>
+          <p:cNvPicPr>
+            <a:picLocks noChangeAspect="1"/>
+          </p:cNvPicPr>
+          <p:nvPr/>
+        </p:nvPicPr>
+        <p:blipFill>
+          <a:blip r:embed="rId14">
+            <a:extLst>
+              <a:ext uri="{28A0092B-C50C-407E-A947-70E740481C1C}">
+                <a14:useLocalDpi xmlns:a14="http://schemas.microsoft.com/office/drawing/2010/main" val="0"/>
+              </a:ext>
+              <a:ext uri="{96DAC541-7B7A-43D3-8B79-37D633B846F1}">
+                <asvg:svgBlip xmlns:asvg="http://schemas.microsoft.com/office/drawing/2016/SVG/main" r:embed="rId15"/>
+              </a:ext>
+            </a:extLst>
+          </a:blip>
+          <a:stretch>
+            <a:fillRect/>
+          </a:stretch>
+        </p:blipFill>
+        <p:spPr>
+          <a:xfrm>
+            <a:off x="3384743" y="2732126"/>
+            <a:ext cx="914400" cy="914400"/>
+          </a:xfrm>
+          <a:prstGeom prst="rect">
+            <a:avLst/>
+          </a:prstGeom>
+        </p:spPr>
+      </p:pic>
+      <p:pic>
+        <p:nvPicPr>
+          <p:cNvPr id="52" name="图形 52" descr="足球">
+            <a:extLst>
+              <a:ext uri="{FF2B5EF4-FFF2-40B4-BE49-F238E27FC236}">
+                <a16:creationId xmlns:a16="http://schemas.microsoft.com/office/drawing/2014/main" id="{B10EFF6D-19CA-C843-A02D-062E5375021B}"/>
+              </a:ext>
+            </a:extLst>
+          </p:cNvPr>
+          <p:cNvPicPr>
+            <a:picLocks noChangeAspect="1"/>
+          </p:cNvPicPr>
+          <p:nvPr/>
+        </p:nvPicPr>
+        <p:blipFill>
+          <a:blip r:embed="rId16">
+            <a:extLst>
+              <a:ext uri="{28A0092B-C50C-407E-A947-70E740481C1C}">
+                <a14:useLocalDpi xmlns:a14="http://schemas.microsoft.com/office/drawing/2010/main" val="0"/>
+              </a:ext>
+              <a:ext uri="{96DAC541-7B7A-43D3-8B79-37D633B846F1}">
+                <asvg:svgBlip xmlns:asvg="http://schemas.microsoft.com/office/drawing/2016/SVG/main" r:embed="rId17"/>
+              </a:ext>
+            </a:extLst>
+          </a:blip>
+          <a:stretch>
+            <a:fillRect/>
+          </a:stretch>
+        </p:blipFill>
+        <p:spPr>
+          <a:xfrm>
+            <a:off x="3384743" y="1805611"/>
+            <a:ext cx="926515" cy="926515"/>
+          </a:xfrm>
+          <a:prstGeom prst="rect">
+            <a:avLst/>
+          </a:prstGeom>
+        </p:spPr>
+      </p:pic>
+      <p:pic>
+        <p:nvPicPr>
+          <p:cNvPr id="55" name="图形 55" descr="V 形箭头">
+            <a:extLst>
+              <a:ext uri="{FF2B5EF4-FFF2-40B4-BE49-F238E27FC236}">
+                <a16:creationId xmlns:a16="http://schemas.microsoft.com/office/drawing/2014/main" id="{2D47881E-2BCC-A644-A5FA-912EAF4437FD}"/>
+              </a:ext>
+            </a:extLst>
+          </p:cNvPr>
+          <p:cNvPicPr>
+            <a:picLocks noChangeAspect="1"/>
+          </p:cNvPicPr>
+          <p:nvPr/>
+        </p:nvPicPr>
+        <p:blipFill>
+          <a:blip r:embed="rId18">
+            <a:extLst>
+              <a:ext uri="{28A0092B-C50C-407E-A947-70E740481C1C}">
+                <a14:useLocalDpi xmlns:a14="http://schemas.microsoft.com/office/drawing/2010/main" val="0"/>
+              </a:ext>
+              <a:ext uri="{96DAC541-7B7A-43D3-8B79-37D633B846F1}">
+                <asvg:svgBlip xmlns:asvg="http://schemas.microsoft.com/office/drawing/2016/SVG/main" r:embed="rId19"/>
+              </a:ext>
+            </a:extLst>
+          </a:blip>
+          <a:stretch>
+            <a:fillRect/>
+          </a:stretch>
+        </p:blipFill>
+        <p:spPr>
+          <a:xfrm>
+            <a:off x="1690043" y="3092194"/>
+            <a:ext cx="914400" cy="914400"/>
+          </a:xfrm>
+          <a:prstGeom prst="rect">
+            <a:avLst/>
+          </a:prstGeom>
+        </p:spPr>
+      </p:pic>
+      <p:pic>
+        <p:nvPicPr>
+          <p:cNvPr id="63" name="图片 63">
+            <a:extLst>
+              <a:ext uri="{FF2B5EF4-FFF2-40B4-BE49-F238E27FC236}">
+                <a16:creationId xmlns:a16="http://schemas.microsoft.com/office/drawing/2014/main" id="{8CF2712E-3B85-EC46-9E55-2D4AB1604E6E}"/>
+              </a:ext>
+            </a:extLst>
+          </p:cNvPr>
+          <p:cNvPicPr>
+            <a:picLocks noChangeAspect="1"/>
+          </p:cNvPicPr>
+          <p:nvPr/>
+        </p:nvPicPr>
+        <p:blipFill>
+          <a:blip r:embed="rId20">
+            <a:extLst>
+              <a:ext uri="{28A0092B-C50C-407E-A947-70E740481C1C}">
+                <a14:useLocalDpi xmlns:a14="http://schemas.microsoft.com/office/drawing/2010/main" val="0"/>
+              </a:ext>
+            </a:extLst>
+          </a:blip>
+          <a:stretch>
+            <a:fillRect/>
+          </a:stretch>
+        </p:blipFill>
+        <p:spPr>
+          <a:xfrm>
+            <a:off x="2622945" y="1908599"/>
+            <a:ext cx="761798" cy="3287738"/>
+          </a:xfrm>
+          <a:prstGeom prst="rect">
+            <a:avLst/>
+          </a:prstGeom>
+        </p:spPr>
+      </p:pic>
+      <p:pic>
+        <p:nvPicPr>
+          <p:cNvPr id="64" name="图片 64">
+            <a:extLst>
+              <a:ext uri="{FF2B5EF4-FFF2-40B4-BE49-F238E27FC236}">
+                <a16:creationId xmlns:a16="http://schemas.microsoft.com/office/drawing/2014/main" id="{51D3B34B-72BA-8F4C-BB82-53C3CDFCD0CF}"/>
+              </a:ext>
+            </a:extLst>
+          </p:cNvPr>
+          <p:cNvPicPr>
+            <a:picLocks noChangeAspect="1"/>
+          </p:cNvPicPr>
+          <p:nvPr/>
+        </p:nvPicPr>
+        <p:blipFill>
+          <a:blip r:embed="rId21">
+            <a:extLst>
+              <a:ext uri="{28A0092B-C50C-407E-A947-70E740481C1C}">
+                <a14:useLocalDpi xmlns:a14="http://schemas.microsoft.com/office/drawing/2010/main" val="0"/>
+              </a:ext>
+            </a:extLst>
+          </a:blip>
+          <a:stretch>
+            <a:fillRect/>
+          </a:stretch>
+        </p:blipFill>
+        <p:spPr>
+          <a:xfrm>
+            <a:off x="5017332" y="2866557"/>
+            <a:ext cx="1030167" cy="2395738"/>
+          </a:xfrm>
+          <a:prstGeom prst="rect">
+            <a:avLst/>
+          </a:prstGeom>
+        </p:spPr>
+      </p:pic>
+      <p:pic>
+        <p:nvPicPr>
+          <p:cNvPr id="65" name="图形 65" descr="线箭头: 直">
+            <a:extLst>
+              <a:ext uri="{FF2B5EF4-FFF2-40B4-BE49-F238E27FC236}">
+                <a16:creationId xmlns:a16="http://schemas.microsoft.com/office/drawing/2014/main" id="{78B84F50-12C1-A349-A380-8E09A83EEDF8}"/>
+              </a:ext>
+            </a:extLst>
+          </p:cNvPr>
+          <p:cNvPicPr>
+            <a:picLocks noChangeAspect="1"/>
+          </p:cNvPicPr>
+          <p:nvPr/>
+        </p:nvPicPr>
+        <p:blipFill>
+          <a:blip r:embed="rId22">
+            <a:extLst>
+              <a:ext uri="{28A0092B-C50C-407E-A947-70E740481C1C}">
+                <a14:useLocalDpi xmlns:a14="http://schemas.microsoft.com/office/drawing/2010/main" val="0"/>
+              </a:ext>
+              <a:ext uri="{96DAC541-7B7A-43D3-8B79-37D633B846F1}">
+                <asvg:svgBlip xmlns:asvg="http://schemas.microsoft.com/office/drawing/2016/SVG/main" r:embed="rId23"/>
+              </a:ext>
+            </a:extLst>
+          </a:blip>
+          <a:stretch>
+            <a:fillRect/>
+          </a:stretch>
+        </p:blipFill>
+        <p:spPr>
+          <a:xfrm rot="1996893" flipH="1" flipV="1">
+            <a:off x="6098030" y="3716853"/>
+            <a:ext cx="1001826" cy="1221635"/>
+          </a:xfrm>
+          <a:prstGeom prst="rect">
+            <a:avLst/>
+          </a:prstGeom>
+        </p:spPr>
+      </p:pic>
+      <p:sp>
+        <p:nvSpPr>
+          <p:cNvPr id="66" name="文本框 65">
+            <a:extLst>
+              <a:ext uri="{FF2B5EF4-FFF2-40B4-BE49-F238E27FC236}">
+                <a16:creationId xmlns:a16="http://schemas.microsoft.com/office/drawing/2014/main" id="{1B3C6E5A-1716-264C-B819-DB2F2F0739B3}"/>
+              </a:ext>
+            </a:extLst>
+          </p:cNvPr>
+          <p:cNvSpPr txBox="1"/>
+          <p:nvPr/>
+        </p:nvSpPr>
+        <p:spPr>
+          <a:xfrm>
+            <a:off x="6895711" y="4376697"/>
+            <a:ext cx="1828800" cy="830997"/>
+          </a:xfrm>
+          <a:prstGeom prst="rect">
+            <a:avLst/>
+          </a:prstGeom>
+          <a:noFill/>
+        </p:spPr>
+        <p:txBody>
+          <a:bodyPr wrap="square" rtlCol="0">
+            <a:spAutoFit/>
+          </a:bodyPr>
+          <a:lstStyle/>
+          <a:p>
+            <a:pPr algn="l"/>
+            <a:r>
+              <a:rPr lang="en-US" altLang="zh-CN" sz="4800" b="1" dirty="0">
+                <a:latin typeface="Times New Roman" panose="020F0502020204030204" pitchFamily="34" charset="0"/>
+              </a:rPr>
+              <a:t>ADC</a:t>
+            </a:r>
+            <a:endParaRPr lang="zh-CN" altLang="en-US" sz="4800" b="1" dirty="0">
+              <a:latin typeface="Times New Roman" panose="020F0502020204030204" pitchFamily="34" charset="0"/>
+            </a:endParaRPr>
+          </a:p>
+        </p:txBody>
+      </p:sp>
+      <p:pic>
+        <p:nvPicPr>
+          <p:cNvPr id="67" name="图形 67" descr="线箭头: 直">
+            <a:extLst>
+              <a:ext uri="{FF2B5EF4-FFF2-40B4-BE49-F238E27FC236}">
+                <a16:creationId xmlns:a16="http://schemas.microsoft.com/office/drawing/2014/main" id="{0E7A7347-E488-E549-B5E5-4E79EA0F5185}"/>
+              </a:ext>
+            </a:extLst>
+          </p:cNvPr>
+          <p:cNvPicPr>
+            <a:picLocks noChangeAspect="1"/>
+          </p:cNvPicPr>
+          <p:nvPr/>
+        </p:nvPicPr>
+        <p:blipFill>
+          <a:blip r:embed="rId22">
+            <a:extLst>
+              <a:ext uri="{28A0092B-C50C-407E-A947-70E740481C1C}">
+                <a14:useLocalDpi xmlns:a14="http://schemas.microsoft.com/office/drawing/2010/main" val="0"/>
+              </a:ext>
+              <a:ext uri="{96DAC541-7B7A-43D3-8B79-37D633B846F1}">
+                <asvg:svgBlip xmlns:asvg="http://schemas.microsoft.com/office/drawing/2016/SVG/main" r:embed="rId23"/>
+              </a:ext>
+            </a:extLst>
+          </a:blip>
+          <a:stretch>
+            <a:fillRect/>
+          </a:stretch>
+        </p:blipFill>
+        <p:spPr>
+          <a:xfrm flipH="1">
+            <a:off x="4299143" y="1403307"/>
+            <a:ext cx="2662988" cy="1647456"/>
+          </a:xfrm>
+          <a:prstGeom prst="rect">
+            <a:avLst/>
+          </a:prstGeom>
+        </p:spPr>
+      </p:pic>
+      <p:pic>
+        <p:nvPicPr>
+          <p:cNvPr id="70" name="图形 70" descr="线箭头: 直">
+            <a:extLst>
+              <a:ext uri="{FF2B5EF4-FFF2-40B4-BE49-F238E27FC236}">
+                <a16:creationId xmlns:a16="http://schemas.microsoft.com/office/drawing/2014/main" id="{BDD26782-4E24-E141-ABF2-C352D328FA6C}"/>
+              </a:ext>
+            </a:extLst>
+          </p:cNvPr>
+          <p:cNvPicPr>
+            <a:picLocks noChangeAspect="1"/>
+          </p:cNvPicPr>
+          <p:nvPr/>
+        </p:nvPicPr>
+        <p:blipFill>
+          <a:blip r:embed="rId22">
+            <a:extLst>
+              <a:ext uri="{28A0092B-C50C-407E-A947-70E740481C1C}">
+                <a14:useLocalDpi xmlns:a14="http://schemas.microsoft.com/office/drawing/2010/main" val="0"/>
+              </a:ext>
+              <a:ext uri="{96DAC541-7B7A-43D3-8B79-37D633B846F1}">
+                <asvg:svgBlip xmlns:asvg="http://schemas.microsoft.com/office/drawing/2016/SVG/main" r:embed="rId23"/>
+              </a:ext>
+            </a:extLst>
+          </a:blip>
+          <a:stretch>
+            <a:fillRect/>
+          </a:stretch>
+        </p:blipFill>
+        <p:spPr>
+          <a:xfrm rot="5400000">
+            <a:off x="7165892" y="3441243"/>
+            <a:ext cx="830997" cy="1144746"/>
+          </a:xfrm>
+          <a:prstGeom prst="rect">
+            <a:avLst/>
+          </a:prstGeom>
+        </p:spPr>
+      </p:pic>
+      <p:sp>
+        <p:nvSpPr>
+          <p:cNvPr id="73" name="文本框 72">
+            <a:extLst>
+              <a:ext uri="{FF2B5EF4-FFF2-40B4-BE49-F238E27FC236}">
+                <a16:creationId xmlns:a16="http://schemas.microsoft.com/office/drawing/2014/main" id="{63D45E74-7188-2141-AAAA-022245188658}"/>
+              </a:ext>
+            </a:extLst>
+          </p:cNvPr>
+          <p:cNvSpPr txBox="1"/>
+          <p:nvPr/>
+        </p:nvSpPr>
+        <p:spPr>
+          <a:xfrm>
+            <a:off x="4894438" y="1497460"/>
+            <a:ext cx="2343200" cy="646331"/>
+          </a:xfrm>
+          <a:prstGeom prst="rect">
+            <a:avLst/>
+          </a:prstGeom>
+          <a:noFill/>
+        </p:spPr>
+        <p:txBody>
+          <a:bodyPr wrap="square" rtlCol="0">
+            <a:spAutoFit/>
+          </a:bodyPr>
+          <a:lstStyle/>
+          <a:p>
+            <a:pPr algn="l"/>
+            <a:r>
+              <a:rPr lang="en-US" altLang="zh-CN" sz="3600" dirty="0">
+                <a:latin typeface="Times New Roman" panose="020F0502020204030204" pitchFamily="34" charset="0"/>
+              </a:rPr>
+              <a:t>I2C</a:t>
+            </a:r>
+            <a:endParaRPr lang="zh-CN" altLang="en-US" sz="3600" dirty="0">
+              <a:latin typeface="Times New Roman" panose="020F0502020204030204" pitchFamily="34" charset="0"/>
+            </a:endParaRPr>
+          </a:p>
+        </p:txBody>
+      </p:sp>
+      <p:sp>
+        <p:nvSpPr>
+          <p:cNvPr id="77" name="文本框 76">
+            <a:extLst>
+              <a:ext uri="{FF2B5EF4-FFF2-40B4-BE49-F238E27FC236}">
+                <a16:creationId xmlns:a16="http://schemas.microsoft.com/office/drawing/2014/main" id="{FA71F732-54A6-C84D-83B2-C8113F4F55B6}"/>
+              </a:ext>
+            </a:extLst>
+          </p:cNvPr>
+          <p:cNvSpPr txBox="1"/>
+          <p:nvPr/>
+        </p:nvSpPr>
+        <p:spPr>
+          <a:xfrm>
+            <a:off x="7629277" y="3793280"/>
+            <a:ext cx="2553123" cy="646331"/>
+          </a:xfrm>
+          <a:prstGeom prst="rect">
+            <a:avLst/>
+          </a:prstGeom>
+          <a:noFill/>
+        </p:spPr>
+        <p:txBody>
+          <a:bodyPr wrap="square" rtlCol="0">
+            <a:spAutoFit/>
+          </a:bodyPr>
+          <a:lstStyle/>
+          <a:p>
+            <a:pPr algn="l"/>
+            <a:r>
+              <a:rPr lang="en-US" altLang="zh-CN" sz="3600" dirty="0">
+                <a:latin typeface="Times New Roman" panose="020F0502020204030204" pitchFamily="34" charset="0"/>
+              </a:rPr>
+              <a:t>SPI</a:t>
+            </a:r>
+            <a:r>
+              <a:rPr lang="zh-CN" altLang="en-US" sz="3600" dirty="0">
+                <a:latin typeface="Times New Roman" panose="020F0502020204030204" pitchFamily="34" charset="0"/>
+              </a:rPr>
+              <a:t> </a:t>
+            </a:r>
+            <a:r>
+              <a:rPr lang="en-US" altLang="zh-CN" sz="3600" dirty="0">
+                <a:latin typeface="Times New Roman" panose="020F0502020204030204" pitchFamily="34" charset="0"/>
+              </a:rPr>
+              <a:t>and I2S</a:t>
+            </a:r>
+            <a:endParaRPr lang="zh-CN" altLang="en-US" sz="3600" dirty="0">
+              <a:latin typeface="Times New Roman" panose="020F0502020204030204" pitchFamily="34" charset="0"/>
+            </a:endParaRPr>
+          </a:p>
+        </p:txBody>
+      </p:sp>
+      <p:pic>
+        <p:nvPicPr>
+          <p:cNvPr id="78" name="图形 78" descr="同步云">
+            <a:extLst>
+              <a:ext uri="{FF2B5EF4-FFF2-40B4-BE49-F238E27FC236}">
+                <a16:creationId xmlns:a16="http://schemas.microsoft.com/office/drawing/2014/main" id="{CF96FB15-7261-D542-A7E6-AEE84E113458}"/>
+              </a:ext>
+            </a:extLst>
+          </p:cNvPr>
+          <p:cNvPicPr>
+            <a:picLocks noChangeAspect="1"/>
+          </p:cNvPicPr>
+          <p:nvPr/>
+        </p:nvPicPr>
+        <p:blipFill>
+          <a:blip r:embed="rId24">
+            <a:extLst>
+              <a:ext uri="{28A0092B-C50C-407E-A947-70E740481C1C}">
+                <a14:useLocalDpi xmlns:a14="http://schemas.microsoft.com/office/drawing/2010/main" val="0"/>
+              </a:ext>
+              <a:ext uri="{96DAC541-7B7A-43D3-8B79-37D633B846F1}">
+                <asvg:svgBlip xmlns:asvg="http://schemas.microsoft.com/office/drawing/2016/SVG/main" r:embed="rId25"/>
+              </a:ext>
+            </a:extLst>
+          </a:blip>
+          <a:stretch>
+            <a:fillRect/>
+          </a:stretch>
+        </p:blipFill>
+        <p:spPr>
+          <a:xfrm>
+            <a:off x="10708795" y="1930271"/>
+            <a:ext cx="1349467" cy="1349467"/>
+          </a:xfrm>
+          <a:prstGeom prst="rect">
+            <a:avLst/>
+          </a:prstGeom>
+        </p:spPr>
+      </p:pic>
+      <p:sp>
+        <p:nvSpPr>
+          <p:cNvPr id="80" name="文本框 79">
+            <a:extLst>
+              <a:ext uri="{FF2B5EF4-FFF2-40B4-BE49-F238E27FC236}">
+                <a16:creationId xmlns:a16="http://schemas.microsoft.com/office/drawing/2014/main" id="{3F911CCE-3E20-BA47-845F-A25A7F0700B9}"/>
+              </a:ext>
+            </a:extLst>
+          </p:cNvPr>
+          <p:cNvSpPr txBox="1"/>
+          <p:nvPr/>
+        </p:nvSpPr>
+        <p:spPr>
+          <a:xfrm>
+            <a:off x="9026680" y="1989331"/>
+            <a:ext cx="1828800" cy="1015663"/>
+          </a:xfrm>
+          <a:prstGeom prst="rect">
+            <a:avLst/>
+          </a:prstGeom>
+          <a:noFill/>
+        </p:spPr>
+        <p:txBody>
+          <a:bodyPr wrap="square" rtlCol="0">
+            <a:spAutoFit/>
+          </a:bodyPr>
+          <a:lstStyle/>
+          <a:p>
+            <a:pPr algn="l"/>
+            <a:r>
+              <a:rPr lang="en-US" altLang="zh-CN" sz="6000" b="1" dirty="0">
+                <a:latin typeface="Times New Roman" panose="02020603050405020304" pitchFamily="18" charset="0"/>
+                <a:cs typeface="Times New Roman" panose="02020603050405020304" pitchFamily="18" charset="0"/>
+              </a:rPr>
+              <a:t>... ...</a:t>
+            </a:r>
+            <a:endParaRPr lang="zh-CN" altLang="en-US" sz="6000" b="1" dirty="0">
+              <a:latin typeface="Times New Roman" panose="02020603050405020304" pitchFamily="18" charset="0"/>
+              <a:cs typeface="Times New Roman" panose="02020603050405020304" pitchFamily="18" charset="0"/>
+            </a:endParaRPr>
+          </a:p>
+        </p:txBody>
+      </p:sp>
+      <p:sp>
+        <p:nvSpPr>
+          <p:cNvPr id="81" name="文本框 80">
+            <a:extLst>
+              <a:ext uri="{FF2B5EF4-FFF2-40B4-BE49-F238E27FC236}">
+                <a16:creationId xmlns:a16="http://schemas.microsoft.com/office/drawing/2014/main" id="{B442B3CF-8816-744F-8385-90E5AAF56658}"/>
+              </a:ext>
+            </a:extLst>
+          </p:cNvPr>
+          <p:cNvSpPr txBox="1"/>
+          <p:nvPr/>
+        </p:nvSpPr>
+        <p:spPr>
+          <a:xfrm>
+            <a:off x="8879995" y="2106969"/>
+            <a:ext cx="1828800" cy="461665"/>
+          </a:xfrm>
+          <a:prstGeom prst="rect">
+            <a:avLst/>
+          </a:prstGeom>
+          <a:noFill/>
+        </p:spPr>
+        <p:txBody>
+          <a:bodyPr wrap="square" rtlCol="0">
+            <a:spAutoFit/>
+          </a:bodyPr>
+          <a:lstStyle/>
+          <a:p>
+            <a:pPr algn="l"/>
+            <a:r>
+              <a:rPr lang="en-US" altLang="zh-CN" sz="2400" dirty="0">
+                <a:latin typeface="Times New Roman" panose="02020603050405020304" pitchFamily="18" charset="0"/>
+                <a:cs typeface="Times New Roman" panose="02020603050405020304" pitchFamily="18" charset="0"/>
+              </a:rPr>
+              <a:t>Upload data</a:t>
+            </a:r>
+            <a:endParaRPr lang="zh-CN" altLang="en-US" sz="2400" dirty="0">
+              <a:latin typeface="Times New Roman" panose="02020603050405020304" pitchFamily="18" charset="0"/>
+              <a:cs typeface="Times New Roman" panose="02020603050405020304" pitchFamily="18" charset="0"/>
+            </a:endParaRPr>
+          </a:p>
+        </p:txBody>
+      </p:sp>
+      <p:sp>
+        <p:nvSpPr>
+          <p:cNvPr id="82" name="文本框 81">
+            <a:extLst>
+              <a:ext uri="{FF2B5EF4-FFF2-40B4-BE49-F238E27FC236}">
+                <a16:creationId xmlns:a16="http://schemas.microsoft.com/office/drawing/2014/main" id="{AD1434A7-BF4C-E447-9E97-A3A05F3D35A9}"/>
+              </a:ext>
+            </a:extLst>
+          </p:cNvPr>
+          <p:cNvSpPr txBox="1"/>
+          <p:nvPr/>
+        </p:nvSpPr>
+        <p:spPr>
+          <a:xfrm>
+            <a:off x="10824823" y="3185378"/>
+            <a:ext cx="1107996" cy="1828800"/>
+          </a:xfrm>
+          <a:prstGeom prst="rect">
+            <a:avLst/>
+          </a:prstGeom>
+          <a:noFill/>
+        </p:spPr>
+        <p:txBody>
+          <a:bodyPr vert="eaVert" wrap="square" rtlCol="0">
+            <a:spAutoFit/>
+          </a:bodyPr>
+          <a:lstStyle/>
+          <a:p>
+            <a:pPr algn="l"/>
+            <a:r>
+              <a:rPr lang="en-US" altLang="zh-CN" sz="6000" b="1" dirty="0">
+                <a:latin typeface="Times New Roman" panose="02020603050405020304" pitchFamily="18" charset="0"/>
+                <a:cs typeface="Times New Roman" panose="02020603050405020304" pitchFamily="18" charset="0"/>
+              </a:rPr>
+              <a:t>... ...</a:t>
+            </a:r>
+            <a:endParaRPr lang="zh-CN" altLang="en-US" sz="6000" b="1" dirty="0">
+              <a:latin typeface="Times New Roman" panose="02020603050405020304" pitchFamily="18" charset="0"/>
+              <a:cs typeface="Times New Roman" panose="02020603050405020304" pitchFamily="18" charset="0"/>
+            </a:endParaRPr>
+          </a:p>
+        </p:txBody>
+      </p:sp>
+      <p:sp>
+        <p:nvSpPr>
+          <p:cNvPr id="84" name="文本框 83">
+            <a:extLst>
+              <a:ext uri="{FF2B5EF4-FFF2-40B4-BE49-F238E27FC236}">
+                <a16:creationId xmlns:a16="http://schemas.microsoft.com/office/drawing/2014/main" id="{F2C1C370-154C-294E-8C24-E5109877447A}"/>
+              </a:ext>
+            </a:extLst>
+          </p:cNvPr>
+          <p:cNvSpPr txBox="1"/>
+          <p:nvPr/>
+        </p:nvSpPr>
+        <p:spPr>
+          <a:xfrm rot="5400000">
+            <a:off x="9951568" y="3818190"/>
+            <a:ext cx="1828800" cy="461665"/>
+          </a:xfrm>
+          <a:prstGeom prst="rect">
+            <a:avLst/>
+          </a:prstGeom>
+          <a:noFill/>
+        </p:spPr>
+        <p:txBody>
+          <a:bodyPr wrap="square" rtlCol="0">
+            <a:spAutoFit/>
+          </a:bodyPr>
+          <a:lstStyle/>
+          <a:p>
+            <a:pPr algn="l"/>
+            <a:r>
+              <a:rPr lang="en-US" altLang="zh-CN" sz="2400" dirty="0">
+                <a:latin typeface="Times New Roman" panose="02020603050405020304" pitchFamily="18" charset="0"/>
+                <a:cs typeface="Times New Roman" panose="02020603050405020304" pitchFamily="18" charset="0"/>
+              </a:rPr>
+              <a:t>Download</a:t>
+            </a:r>
+            <a:endParaRPr lang="zh-CN" altLang="en-US" sz="2400" dirty="0">
+              <a:latin typeface="Times New Roman" panose="02020603050405020304" pitchFamily="18" charset="0"/>
+              <a:cs typeface="Times New Roman" panose="02020603050405020304" pitchFamily="18" charset="0"/>
+            </a:endParaRPr>
+          </a:p>
+        </p:txBody>
+      </p:sp>
+      <p:cxnSp>
+        <p:nvCxnSpPr>
+          <p:cNvPr id="85" name="直线箭头连接符 84">
+            <a:extLst>
+              <a:ext uri="{FF2B5EF4-FFF2-40B4-BE49-F238E27FC236}">
+                <a16:creationId xmlns:a16="http://schemas.microsoft.com/office/drawing/2014/main" id="{159BF939-B70D-6A45-9127-ED4E1CEC667C}"/>
+              </a:ext>
+            </a:extLst>
+          </p:cNvPr>
+          <p:cNvCxnSpPr>
+            <a:cxnSpLocks/>
+          </p:cNvCxnSpPr>
+          <p:nvPr/>
+        </p:nvCxnSpPr>
+        <p:spPr>
+          <a:xfrm flipH="1">
+            <a:off x="10912630" y="4892559"/>
+            <a:ext cx="844252" cy="789311"/>
+          </a:xfrm>
+          <a:prstGeom prst="straightConnector1">
+            <a:avLst/>
+          </a:prstGeom>
+          <a:ln>
+            <a:solidFill>
+              <a:schemeClr val="bg1">
+                <a:lumMod val="10000"/>
+              </a:schemeClr>
+            </a:solidFill>
+          </a:ln>
+        </p:spPr>
+        <p:style>
+          <a:lnRef idx="1">
+            <a:schemeClr val="accent1"/>
+          </a:lnRef>
+          <a:fillRef idx="0">
+            <a:schemeClr val="accent1"/>
+          </a:fillRef>
+          <a:effectRef idx="0">
+            <a:schemeClr val="accent1"/>
+          </a:effectRef>
+          <a:fontRef idx="minor">
+            <a:schemeClr val="tx1"/>
+          </a:fontRef>
+        </p:style>
+      </p:cxnSp>
+      <p:pic>
+        <p:nvPicPr>
+          <p:cNvPr id="89" name="图形 89" descr="智能手机">
+            <a:extLst>
+              <a:ext uri="{FF2B5EF4-FFF2-40B4-BE49-F238E27FC236}">
+                <a16:creationId xmlns:a16="http://schemas.microsoft.com/office/drawing/2014/main" id="{AF6E7497-70FA-844C-831C-0A8F4385CF95}"/>
+              </a:ext>
+            </a:extLst>
+          </p:cNvPr>
+          <p:cNvPicPr>
+            <a:picLocks noChangeAspect="1"/>
+          </p:cNvPicPr>
+          <p:nvPr/>
+        </p:nvPicPr>
+        <p:blipFill>
+          <a:blip r:embed="rId26">
+            <a:extLst>
+              <a:ext uri="{28A0092B-C50C-407E-A947-70E740481C1C}">
+                <a14:useLocalDpi xmlns:a14="http://schemas.microsoft.com/office/drawing/2010/main" val="0"/>
+              </a:ext>
+              <a:ext uri="{96DAC541-7B7A-43D3-8B79-37D633B846F1}">
+                <asvg:svgBlip xmlns:asvg="http://schemas.microsoft.com/office/drawing/2016/SVG/main" r:embed="rId27"/>
+              </a:ext>
+            </a:extLst>
+          </a:blip>
+          <a:stretch>
+            <a:fillRect/>
+          </a:stretch>
+        </p:blipFill>
+        <p:spPr>
+          <a:xfrm>
+            <a:off x="11266703" y="5331684"/>
+            <a:ext cx="914400" cy="914400"/>
+          </a:xfrm>
+          <a:prstGeom prst="rect">
+            <a:avLst/>
+          </a:prstGeom>
+        </p:spPr>
+      </p:pic>
+      <p:pic>
+        <p:nvPicPr>
+          <p:cNvPr id="90" name="图形 90" descr="电脑">
+            <a:extLst>
+              <a:ext uri="{FF2B5EF4-FFF2-40B4-BE49-F238E27FC236}">
+                <a16:creationId xmlns:a16="http://schemas.microsoft.com/office/drawing/2014/main" id="{B489344F-1402-254D-BD9B-43048121E476}"/>
+              </a:ext>
+            </a:extLst>
+          </p:cNvPr>
+          <p:cNvPicPr>
+            <a:picLocks noChangeAspect="1"/>
+          </p:cNvPicPr>
+          <p:nvPr/>
+        </p:nvPicPr>
+        <p:blipFill>
+          <a:blip r:embed="rId28">
+            <a:extLst>
+              <a:ext uri="{28A0092B-C50C-407E-A947-70E740481C1C}">
+                <a14:useLocalDpi xmlns:a14="http://schemas.microsoft.com/office/drawing/2010/main" val="0"/>
+              </a:ext>
+              <a:ext uri="{96DAC541-7B7A-43D3-8B79-37D633B846F1}">
+                <asvg:svgBlip xmlns:asvg="http://schemas.microsoft.com/office/drawing/2016/SVG/main" r:embed="rId29"/>
+              </a:ext>
+            </a:extLst>
+          </a:blip>
+          <a:stretch>
+            <a:fillRect/>
+          </a:stretch>
+        </p:blipFill>
+        <p:spPr>
+          <a:xfrm>
+            <a:off x="10205931" y="4567695"/>
+            <a:ext cx="914400" cy="914400"/>
+          </a:xfrm>
+          <a:prstGeom prst="rect">
+            <a:avLst/>
+          </a:prstGeom>
+        </p:spPr>
+      </p:pic>
+      <p:sp>
+        <p:nvSpPr>
+          <p:cNvPr id="92" name="文本框 91">
+            <a:extLst>
+              <a:ext uri="{FF2B5EF4-FFF2-40B4-BE49-F238E27FC236}">
+                <a16:creationId xmlns:a16="http://schemas.microsoft.com/office/drawing/2014/main" id="{87130BD8-79FC-9247-9573-A4B08D49B606}"/>
+              </a:ext>
+            </a:extLst>
+          </p:cNvPr>
+          <p:cNvSpPr txBox="1"/>
+          <p:nvPr/>
+        </p:nvSpPr>
+        <p:spPr>
+          <a:xfrm>
+            <a:off x="219292" y="3958310"/>
+            <a:ext cx="2322611" cy="400110"/>
+          </a:xfrm>
+          <a:prstGeom prst="rect">
+            <a:avLst/>
+          </a:prstGeom>
+          <a:noFill/>
+        </p:spPr>
+        <p:txBody>
+          <a:bodyPr wrap="square" rtlCol="0">
+            <a:spAutoFit/>
+          </a:bodyPr>
+          <a:lstStyle/>
+          <a:p>
+            <a:pPr algn="l"/>
+            <a:r>
+              <a:rPr lang="en-US" altLang="zh-CN" sz="2000" b="1" dirty="0">
+                <a:latin typeface="Times New Roman" panose="02020603050405020304" pitchFamily="18" charset="0"/>
+                <a:cs typeface="Times New Roman" panose="02020603050405020304" pitchFamily="18" charset="0"/>
+              </a:rPr>
+              <a:t>Monitor your sleep</a:t>
+            </a:r>
+            <a:endParaRPr lang="zh-CN" altLang="en-US" sz="2000" b="1" dirty="0">
+              <a:latin typeface="Times New Roman" panose="02020603050405020304" pitchFamily="18" charset="0"/>
+              <a:cs typeface="Times New Roman" panose="02020603050405020304" pitchFamily="18" charset="0"/>
+            </a:endParaRPr>
+          </a:p>
+        </p:txBody>
+      </p:sp>
+      <p:sp>
+        <p:nvSpPr>
+          <p:cNvPr id="94" name="文本框 93">
+            <a:extLst>
+              <a:ext uri="{FF2B5EF4-FFF2-40B4-BE49-F238E27FC236}">
+                <a16:creationId xmlns:a16="http://schemas.microsoft.com/office/drawing/2014/main" id="{A799FDB9-A3C1-0F49-8C4F-48F5C01874A4}"/>
+              </a:ext>
+            </a:extLst>
+          </p:cNvPr>
+          <p:cNvSpPr txBox="1"/>
+          <p:nvPr/>
+        </p:nvSpPr>
+        <p:spPr>
+          <a:xfrm>
+            <a:off x="3107942" y="5280515"/>
+            <a:ext cx="2322611" cy="1631216"/>
+          </a:xfrm>
+          <a:prstGeom prst="rect">
+            <a:avLst/>
+          </a:prstGeom>
+          <a:noFill/>
+        </p:spPr>
+        <p:txBody>
+          <a:bodyPr wrap="square" rtlCol="0">
+            <a:spAutoFit/>
+          </a:bodyPr>
+          <a:lstStyle/>
+          <a:p>
+            <a:pPr algn="l"/>
+            <a:r>
+              <a:rPr lang="en-US" altLang="zh-CN" sz="2000" b="1" dirty="0">
+                <a:latin typeface="Times New Roman" panose="02020603050405020304" pitchFamily="18" charset="0"/>
+                <a:cs typeface="Times New Roman" panose="02020603050405020304" pitchFamily="18" charset="0"/>
+              </a:rPr>
+              <a:t>Collect your sleep information/data like movement, snoring, heart rates, etc.</a:t>
+            </a:r>
+            <a:endParaRPr lang="zh-CN" altLang="en-US" sz="2000" b="1" dirty="0">
+              <a:latin typeface="Times New Roman" panose="02020603050405020304" pitchFamily="18" charset="0"/>
+              <a:cs typeface="Times New Roman" panose="02020603050405020304" pitchFamily="18" charset="0"/>
+            </a:endParaRPr>
+          </a:p>
+        </p:txBody>
+      </p:sp>
+      <p:sp>
+        <p:nvSpPr>
+          <p:cNvPr id="96" name="文本框 95">
+            <a:extLst>
+              <a:ext uri="{FF2B5EF4-FFF2-40B4-BE49-F238E27FC236}">
+                <a16:creationId xmlns:a16="http://schemas.microsoft.com/office/drawing/2014/main" id="{C921127E-17D9-3E41-9B07-2F8CD86B9AF7}"/>
+              </a:ext>
+            </a:extLst>
+          </p:cNvPr>
+          <p:cNvSpPr txBox="1"/>
+          <p:nvPr/>
+        </p:nvSpPr>
+        <p:spPr>
+          <a:xfrm>
+            <a:off x="7015525" y="389341"/>
+            <a:ext cx="2322611" cy="1323439"/>
+          </a:xfrm>
+          <a:prstGeom prst="rect">
+            <a:avLst/>
+          </a:prstGeom>
+          <a:noFill/>
+        </p:spPr>
+        <p:txBody>
+          <a:bodyPr wrap="square" rtlCol="0">
+            <a:spAutoFit/>
+          </a:bodyPr>
+          <a:lstStyle/>
+          <a:p>
+            <a:pPr algn="l"/>
+            <a:r>
+              <a:rPr lang="en-US" altLang="zh-CN" sz="2000" b="1" dirty="0">
+                <a:latin typeface="Times New Roman" panose="02020603050405020304" pitchFamily="18" charset="0"/>
+                <a:cs typeface="Times New Roman" panose="02020603050405020304" pitchFamily="18" charset="0"/>
+              </a:rPr>
+              <a:t>Use Raspberry PI to analyze data and evaluate your sleep quality</a:t>
+            </a:r>
+            <a:endParaRPr lang="zh-CN" altLang="en-US" sz="2000" b="1" dirty="0">
+              <a:latin typeface="Times New Roman" panose="02020603050405020304" pitchFamily="18" charset="0"/>
+              <a:cs typeface="Times New Roman" panose="02020603050405020304" pitchFamily="18" charset="0"/>
+            </a:endParaRPr>
+          </a:p>
+        </p:txBody>
+      </p:sp>
+      <p:sp>
+        <p:nvSpPr>
+          <p:cNvPr id="98" name="文本框 97">
+            <a:extLst>
+              <a:ext uri="{FF2B5EF4-FFF2-40B4-BE49-F238E27FC236}">
+                <a16:creationId xmlns:a16="http://schemas.microsoft.com/office/drawing/2014/main" id="{70F61C8B-C789-8240-9C94-FA4BB38EA8B4}"/>
+              </a:ext>
+            </a:extLst>
+          </p:cNvPr>
+          <p:cNvSpPr txBox="1"/>
+          <p:nvPr/>
+        </p:nvSpPr>
+        <p:spPr>
+          <a:xfrm>
+            <a:off x="8724511" y="5138836"/>
+            <a:ext cx="2322611" cy="1631216"/>
+          </a:xfrm>
+          <a:prstGeom prst="rect">
+            <a:avLst/>
+          </a:prstGeom>
+          <a:noFill/>
+        </p:spPr>
+        <p:txBody>
+          <a:bodyPr wrap="square" rtlCol="0">
+            <a:spAutoFit/>
+          </a:bodyPr>
+          <a:lstStyle/>
+          <a:p>
+            <a:pPr algn="l"/>
+            <a:r>
+              <a:rPr lang="en-US" altLang="zh-CN" sz="2000" b="1" dirty="0">
+                <a:latin typeface="Times New Roman" panose="02020603050405020304" pitchFamily="18" charset="0"/>
+                <a:cs typeface="Times New Roman" panose="02020603050405020304" pitchFamily="18" charset="0"/>
+              </a:rPr>
+              <a:t>Download the report from server and check it on your PC/mobile phones!</a:t>
+            </a:r>
+            <a:endParaRPr lang="zh-CN" altLang="en-US" sz="2000" b="1" dirty="0">
+              <a:latin typeface="Times New Roman" panose="02020603050405020304" pitchFamily="18" charset="0"/>
+              <a:cs typeface="Times New Roman" panose="02020603050405020304" pitchFamily="18" charset="0"/>
+            </a:endParaRPr>
+          </a:p>
+        </p:txBody>
+      </p:sp>
+      <p:sp>
+        <p:nvSpPr>
+          <p:cNvPr id="4" name="文本框 3">
+            <a:extLst>
+              <a:ext uri="{FF2B5EF4-FFF2-40B4-BE49-F238E27FC236}">
+                <a16:creationId xmlns:a16="http://schemas.microsoft.com/office/drawing/2014/main" id="{6A04839B-99A6-0946-98FF-86208A7E2F67}"/>
+              </a:ext>
+            </a:extLst>
+          </p:cNvPr>
+          <p:cNvSpPr txBox="1"/>
+          <p:nvPr/>
+        </p:nvSpPr>
+        <p:spPr>
+          <a:xfrm>
+            <a:off x="370378" y="136116"/>
+            <a:ext cx="2662988" cy="954107"/>
+          </a:xfrm>
+          <a:prstGeom prst="rect">
+            <a:avLst/>
+          </a:prstGeom>
+          <a:noFill/>
+        </p:spPr>
+        <p:txBody>
+          <a:bodyPr wrap="square" rtlCol="0">
+            <a:spAutoFit/>
+          </a:bodyPr>
+          <a:lstStyle/>
+          <a:p>
+            <a:pPr algn="l"/>
+            <a:r>
+              <a:rPr lang="en-US" altLang="zh-CN" sz="2800" b="1" dirty="0">
+                <a:latin typeface="Times New Roman" panose="02020603050405020304" pitchFamily="18" charset="0"/>
+                <a:cs typeface="Times New Roman" panose="02020603050405020304" pitchFamily="18" charset="0"/>
+              </a:rPr>
+              <a:t>Working demonstration</a:t>
+            </a:r>
+            <a:endParaRPr lang="zh-CN" altLang="en-US" sz="2800" b="1" dirty="0">
+              <a:latin typeface="Times New Roman" panose="02020603050405020304" pitchFamily="18" charset="0"/>
+              <a:cs typeface="Times New Roman" panose="02020603050405020304" pitchFamily="18" charset="0"/>
+            </a:endParaRPr>
+          </a:p>
+        </p:txBody>
+      </p:sp>
+    </p:spTree>
+  </p:cSld>
+  <p:clrMapOvr>
+    <a:masterClrMapping/>
+  </p:clrMapOvr>
+</p:sld>
+</file>
+
+<file path=ppt/slides/slide5.xml><?xml version="1.0" encoding="utf-8"?>
+<p:sld xmlns:a="http://schemas.openxmlformats.org/drawingml/2006/main" xmlns:r="http://schemas.openxmlformats.org/officeDocument/2006/relationships" xmlns:p="http://schemas.openxmlformats.org/presentationml/2006/main">
+  <p:cSld>
+    <p:spTree>
+      <p:nvGrpSpPr>
+        <p:cNvPr id="1" name=""/>
+        <p:cNvGrpSpPr/>
+        <p:nvPr/>
+      </p:nvGrpSpPr>
+      <p:grpSpPr>
+        <a:xfrm>
+          <a:off x="0" y="0"/>
+          <a:ext cx="0" cy="0"/>
+          <a:chOff x="0" y="0"/>
+          <a:chExt cx="0" cy="0"/>
+        </a:xfrm>
+      </p:grpSpPr>
+      <p:sp>
+        <p:nvSpPr>
+          <p:cNvPr id="4" name="文本框 3">
+            <a:extLst>
+              <a:ext uri="{FF2B5EF4-FFF2-40B4-BE49-F238E27FC236}">
+                <a16:creationId xmlns:a16="http://schemas.microsoft.com/office/drawing/2014/main" id="{1184FAE1-98CB-9A44-96EE-827D08F742AB}"/>
+              </a:ext>
+            </a:extLst>
+          </p:cNvPr>
+          <p:cNvSpPr txBox="1"/>
+          <p:nvPr/>
+        </p:nvSpPr>
+        <p:spPr>
+          <a:xfrm>
+            <a:off x="4842933" y="2413337"/>
+            <a:ext cx="3186289" cy="1015663"/>
+          </a:xfrm>
+          <a:prstGeom prst="rect">
+            <a:avLst/>
+          </a:prstGeom>
+          <a:noFill/>
+        </p:spPr>
+        <p:txBody>
+          <a:bodyPr wrap="square" rtlCol="0">
+            <a:spAutoFit/>
+          </a:bodyPr>
+          <a:lstStyle/>
+          <a:p>
+            <a:pPr algn="l"/>
+            <a:r>
+              <a:rPr lang="en-US" altLang="zh-CN" sz="6000" dirty="0">
+                <a:latin typeface="Blackadder ITC" pitchFamily="82" charset="0"/>
+              </a:rPr>
+              <a:t>Thanks</a:t>
+            </a:r>
+            <a:endParaRPr lang="zh-CN" altLang="en-US" sz="6000" dirty="0">
+              <a:latin typeface="Blackadder ITC" pitchFamily="82" charset="0"/>
+            </a:endParaRPr>
+          </a:p>
+        </p:txBody>
+      </p:sp>
+      <p:sp>
+        <p:nvSpPr>
+          <p:cNvPr id="5" name="文本框 4">
+            <a:extLst>
+              <a:ext uri="{FF2B5EF4-FFF2-40B4-BE49-F238E27FC236}">
+                <a16:creationId xmlns:a16="http://schemas.microsoft.com/office/drawing/2014/main" id="{2A7B7F14-220C-5F49-8E91-9F6DA58DB6FB}"/>
+              </a:ext>
+            </a:extLst>
+          </p:cNvPr>
+          <p:cNvSpPr txBox="1"/>
+          <p:nvPr/>
+        </p:nvSpPr>
+        <p:spPr>
+          <a:xfrm>
+            <a:off x="5294489" y="4193822"/>
+            <a:ext cx="1828800" cy="461665"/>
+          </a:xfrm>
+          <a:prstGeom prst="rect">
+            <a:avLst/>
+          </a:prstGeom>
+          <a:noFill/>
+        </p:spPr>
+        <p:txBody>
+          <a:bodyPr wrap="square" rtlCol="0">
+            <a:spAutoFit/>
+          </a:bodyPr>
+          <a:lstStyle/>
+          <a:p>
+            <a:pPr algn="l"/>
+            <a:r>
+              <a:rPr lang="en-US" altLang="zh-CN" sz="2400" dirty="0">
+                <a:latin typeface="Times New Roman" panose="02020603050405020304" pitchFamily="18" charset="0"/>
+                <a:cs typeface="Times New Roman" panose="02020603050405020304" pitchFamily="18" charset="0"/>
+              </a:rPr>
+              <a:t>Jan.2021</a:t>
+            </a:r>
+            <a:endParaRPr lang="zh-CN" altLang="en-US" sz="2400" dirty="0">
+              <a:latin typeface="Times New Roman" panose="02020603050405020304" pitchFamily="18" charset="0"/>
+              <a:cs typeface="Times New Roman" panose="02020603050405020304" pitchFamily="18" charset="0"/>
+            </a:endParaRPr>
+          </a:p>
+        </p:txBody>
+      </p:sp>
+    </p:spTree>
+    <p:extLst>
+      <p:ext uri="{BB962C8B-B14F-4D97-AF65-F5344CB8AC3E}">
+        <p14:creationId xmlns:p14="http://schemas.microsoft.com/office/powerpoint/2010/main" val="428713083"/>
+      </p:ext>
+    </p:extLst>
+  </p:cSld>
+  <p:clrMapOvr>
+    <a:masterClrMapping/>
+  </p:clrMapOvr>
+</p:sld>
+</file>
+
 <file path=ppt/theme/theme1.xml><?xml version="1.0" encoding="utf-8"?>
 <a:theme xmlns:a="http://schemas.openxmlformats.org/drawingml/2006/main" name="Office 主题​​">
   <a:themeElements>

--- a/Documents/Sleep Quality Evaluation Introduction.pptx
+++ b/Documents/Sleep Quality Evaluation Introduction.pptx
@@ -263,7 +263,7 @@
           <a:p>
             <a:fld id="{A1110201-D5EA-4F04-A9D8-C19BC64741E4}" type="datetimeFigureOut">
               <a:rPr lang="zh-CN" altLang="en-US" smtClean="0"/>
-              <a:t>2021/1/26</a:t>
+              <a:t>2021/1/27</a:t>
             </a:fld>
             <a:endParaRPr lang="zh-CN" altLang="en-US"/>
           </a:p>
@@ -461,7 +461,7 @@
           <a:p>
             <a:fld id="{A1110201-D5EA-4F04-A9D8-C19BC64741E4}" type="datetimeFigureOut">
               <a:rPr lang="zh-CN" altLang="en-US" smtClean="0"/>
-              <a:t>2021/1/26</a:t>
+              <a:t>2021/1/27</a:t>
             </a:fld>
             <a:endParaRPr lang="zh-CN" altLang="en-US"/>
           </a:p>
@@ -669,7 +669,7 @@
           <a:p>
             <a:fld id="{A1110201-D5EA-4F04-A9D8-C19BC64741E4}" type="datetimeFigureOut">
               <a:rPr lang="zh-CN" altLang="en-US" smtClean="0"/>
-              <a:t>2021/1/26</a:t>
+              <a:t>2021/1/27</a:t>
             </a:fld>
             <a:endParaRPr lang="zh-CN" altLang="en-US"/>
           </a:p>
@@ -867,7 +867,7 @@
           <a:p>
             <a:fld id="{A1110201-D5EA-4F04-A9D8-C19BC64741E4}" type="datetimeFigureOut">
               <a:rPr lang="zh-CN" altLang="en-US" smtClean="0"/>
-              <a:t>2021/1/26</a:t>
+              <a:t>2021/1/27</a:t>
             </a:fld>
             <a:endParaRPr lang="zh-CN" altLang="en-US"/>
           </a:p>
@@ -1142,7 +1142,7 @@
           <a:p>
             <a:fld id="{A1110201-D5EA-4F04-A9D8-C19BC64741E4}" type="datetimeFigureOut">
               <a:rPr lang="zh-CN" altLang="en-US" smtClean="0"/>
-              <a:t>2021/1/26</a:t>
+              <a:t>2021/1/27</a:t>
             </a:fld>
             <a:endParaRPr lang="zh-CN" altLang="en-US"/>
           </a:p>
@@ -1407,7 +1407,7 @@
           <a:p>
             <a:fld id="{A1110201-D5EA-4F04-A9D8-C19BC64741E4}" type="datetimeFigureOut">
               <a:rPr lang="zh-CN" altLang="en-US" smtClean="0"/>
-              <a:t>2021/1/26</a:t>
+              <a:t>2021/1/27</a:t>
             </a:fld>
             <a:endParaRPr lang="zh-CN" altLang="en-US"/>
           </a:p>
@@ -1819,7 +1819,7 @@
           <a:p>
             <a:fld id="{A1110201-D5EA-4F04-A9D8-C19BC64741E4}" type="datetimeFigureOut">
               <a:rPr lang="zh-CN" altLang="en-US" smtClean="0"/>
-              <a:t>2021/1/26</a:t>
+              <a:t>2021/1/27</a:t>
             </a:fld>
             <a:endParaRPr lang="zh-CN" altLang="en-US"/>
           </a:p>
@@ -1960,7 +1960,7 @@
           <a:p>
             <a:fld id="{A1110201-D5EA-4F04-A9D8-C19BC64741E4}" type="datetimeFigureOut">
               <a:rPr lang="zh-CN" altLang="en-US" smtClean="0"/>
-              <a:t>2021/1/26</a:t>
+              <a:t>2021/1/27</a:t>
             </a:fld>
             <a:endParaRPr lang="zh-CN" altLang="en-US"/>
           </a:p>
@@ -2073,7 +2073,7 @@
           <a:p>
             <a:fld id="{A1110201-D5EA-4F04-A9D8-C19BC64741E4}" type="datetimeFigureOut">
               <a:rPr lang="zh-CN" altLang="en-US" smtClean="0"/>
-              <a:t>2021/1/26</a:t>
+              <a:t>2021/1/27</a:t>
             </a:fld>
             <a:endParaRPr lang="zh-CN" altLang="en-US"/>
           </a:p>
@@ -2384,7 +2384,7 @@
           <a:p>
             <a:fld id="{A1110201-D5EA-4F04-A9D8-C19BC64741E4}" type="datetimeFigureOut">
               <a:rPr lang="zh-CN" altLang="en-US" smtClean="0"/>
-              <a:t>2021/1/26</a:t>
+              <a:t>2021/1/27</a:t>
             </a:fld>
             <a:endParaRPr lang="zh-CN" altLang="en-US"/>
           </a:p>
@@ -2672,7 +2672,7 @@
           <a:p>
             <a:fld id="{A1110201-D5EA-4F04-A9D8-C19BC64741E4}" type="datetimeFigureOut">
               <a:rPr lang="zh-CN" altLang="en-US" smtClean="0"/>
-              <a:t>2021/1/26</a:t>
+              <a:t>2021/1/27</a:t>
             </a:fld>
             <a:endParaRPr lang="zh-CN" altLang="en-US"/>
           </a:p>
@@ -2913,7 +2913,7 @@
           <a:p>
             <a:fld id="{A1110201-D5EA-4F04-A9D8-C19BC64741E4}" type="datetimeFigureOut">
               <a:rPr lang="zh-CN" altLang="en-US" smtClean="0"/>
-              <a:t>2021/1/26</a:t>
+              <a:t>2021/1/27</a:t>
             </a:fld>
             <a:endParaRPr lang="zh-CN" altLang="en-US"/>
           </a:p>
@@ -4220,14 +4220,13 @@
           <a:lstStyle/>
           <a:p>
             <a:r>
-              <a:rPr lang="en-US" altLang="zh-CN"/>
+              <a:rPr lang="en-US" altLang="zh-CN" dirty="0"/>
               <a:t>How</a:t>
             </a:r>
             <a:r>
-              <a:rPr lang="zh-CN" altLang="en-US"/>
+              <a:rPr lang="zh-CN" altLang="en-US" dirty="0"/>
               <a:t>？</a:t>
             </a:r>
-            <a:endParaRPr lang="zh-CN" altLang="en-US" dirty="0"/>
           </a:p>
         </p:txBody>
       </p:sp>
@@ -4961,7 +4960,7 @@
         </p:nvSpPr>
         <p:spPr>
           <a:xfrm>
-            <a:off x="6895711" y="4376697"/>
+            <a:off x="6867784" y="4422001"/>
             <a:ext cx="1828800" cy="830997"/>
           </a:xfrm>
           <a:prstGeom prst="rect">
@@ -5080,8 +5079,8 @@
         </p:nvSpPr>
         <p:spPr>
           <a:xfrm>
-            <a:off x="4894438" y="1497460"/>
-            <a:ext cx="2343200" cy="646331"/>
+            <a:off x="4837031" y="1514412"/>
+            <a:ext cx="2343200" cy="523220"/>
           </a:xfrm>
           <a:prstGeom prst="rect">
             <a:avLst/>
@@ -5096,14 +5095,10 @@
           <a:p>
             <a:pPr algn="l"/>
             <a:r>
-              <a:rPr lang="en-US" altLang="zh-CN" sz="3600" dirty="0">
-                <a:latin typeface="Times New Roman" panose="020F0502020204030204" pitchFamily="34" charset="0"/>
-              </a:rPr>
+              <a:rPr lang="en-US" altLang="zh-CN" sz="2800" dirty="0"/>
               <a:t>I2C</a:t>
             </a:r>
-            <a:endParaRPr lang="zh-CN" altLang="en-US" sz="3600" dirty="0">
-              <a:latin typeface="Times New Roman" panose="020F0502020204030204" pitchFamily="34" charset="0"/>
-            </a:endParaRPr>
+            <a:endParaRPr lang="zh-CN" altLang="en-US" sz="2800" dirty="0"/>
           </a:p>
         </p:txBody>
       </p:sp>
@@ -5122,7 +5117,7 @@
         <p:spPr>
           <a:xfrm>
             <a:off x="7629277" y="3793280"/>
-            <a:ext cx="2553123" cy="646331"/>
+            <a:ext cx="2553123" cy="523220"/>
           </a:xfrm>
           <a:prstGeom prst="rect">
             <a:avLst/>
@@ -5137,26 +5132,18 @@
           <a:p>
             <a:pPr algn="l"/>
             <a:r>
-              <a:rPr lang="en-US" altLang="zh-CN" sz="3600" dirty="0">
-                <a:latin typeface="Times New Roman" panose="020F0502020204030204" pitchFamily="34" charset="0"/>
-              </a:rPr>
+              <a:rPr lang="en-US" altLang="zh-CN" sz="2800" dirty="0"/>
               <a:t>SPI</a:t>
             </a:r>
             <a:r>
-              <a:rPr lang="zh-CN" altLang="en-US" sz="3600" dirty="0">
-                <a:latin typeface="Times New Roman" panose="020F0502020204030204" pitchFamily="34" charset="0"/>
-              </a:rPr>
+              <a:rPr lang="zh-CN" altLang="en-US" sz="2800" dirty="0"/>
               <a:t> </a:t>
             </a:r>
             <a:r>
-              <a:rPr lang="en-US" altLang="zh-CN" sz="3600" dirty="0">
-                <a:latin typeface="Times New Roman" panose="020F0502020204030204" pitchFamily="34" charset="0"/>
-              </a:rPr>
+              <a:rPr lang="en-US" altLang="zh-CN" sz="2800" dirty="0"/>
               <a:t>and I2S</a:t>
             </a:r>
-            <a:endParaRPr lang="zh-CN" altLang="en-US" sz="3600" dirty="0">
-              <a:latin typeface="Times New Roman" panose="020F0502020204030204" pitchFamily="34" charset="0"/>
-            </a:endParaRPr>
+            <a:endParaRPr lang="zh-CN" altLang="en-US" sz="2800" dirty="0"/>
           </a:p>
         </p:txBody>
       </p:sp>
@@ -5272,16 +5259,10 @@
           <a:p>
             <a:pPr algn="l"/>
             <a:r>
-              <a:rPr lang="en-US" altLang="zh-CN" sz="2400" dirty="0">
-                <a:latin typeface="Times New Roman" panose="02020603050405020304" pitchFamily="18" charset="0"/>
-                <a:cs typeface="Times New Roman" panose="02020603050405020304" pitchFamily="18" charset="0"/>
-              </a:rPr>
+              <a:rPr lang="en-US" altLang="zh-CN" sz="2400" dirty="0"/>
               <a:t>Upload data</a:t>
             </a:r>
-            <a:endParaRPr lang="zh-CN" altLang="en-US" sz="2400" dirty="0">
-              <a:latin typeface="Times New Roman" panose="02020603050405020304" pitchFamily="18" charset="0"/>
-              <a:cs typeface="Times New Roman" panose="02020603050405020304" pitchFamily="18" charset="0"/>
-            </a:endParaRPr>
+            <a:endParaRPr lang="zh-CN" altLang="en-US" sz="2400" dirty="0"/>
           </a:p>
         </p:txBody>
       </p:sp>
@@ -5342,7 +5323,7 @@
         </p:nvSpPr>
         <p:spPr>
           <a:xfrm rot="5400000">
-            <a:off x="9951568" y="3818190"/>
+            <a:off x="9953055" y="3772649"/>
             <a:ext cx="1828800" cy="461665"/>
           </a:xfrm>
           <a:prstGeom prst="rect">
@@ -5358,16 +5339,10 @@
           <a:p>
             <a:pPr algn="l"/>
             <a:r>
-              <a:rPr lang="en-US" altLang="zh-CN" sz="2400" dirty="0">
-                <a:latin typeface="Times New Roman" panose="02020603050405020304" pitchFamily="18" charset="0"/>
-                <a:cs typeface="Times New Roman" panose="02020603050405020304" pitchFamily="18" charset="0"/>
-              </a:rPr>
+              <a:rPr lang="en-US" altLang="zh-CN" sz="2400" dirty="0"/>
               <a:t>Download</a:t>
             </a:r>
-            <a:endParaRPr lang="zh-CN" altLang="en-US" sz="2400" dirty="0">
-              <a:latin typeface="Times New Roman" panose="02020603050405020304" pitchFamily="18" charset="0"/>
-              <a:cs typeface="Times New Roman" panose="02020603050405020304" pitchFamily="18" charset="0"/>
-            </a:endParaRPr>
+            <a:endParaRPr lang="zh-CN" altLang="en-US" sz="2400" dirty="0"/>
           </a:p>
         </p:txBody>
       </p:sp>
@@ -5524,16 +5499,10 @@
           <a:p>
             <a:pPr algn="l"/>
             <a:r>
-              <a:rPr lang="en-US" altLang="zh-CN" sz="2000" b="1" dirty="0">
-                <a:latin typeface="Times New Roman" panose="02020603050405020304" pitchFamily="18" charset="0"/>
-                <a:cs typeface="Times New Roman" panose="02020603050405020304" pitchFamily="18" charset="0"/>
-              </a:rPr>
+              <a:rPr lang="en-US" altLang="zh-CN" sz="2000" dirty="0"/>
               <a:t>Monitor your sleep</a:t>
             </a:r>
-            <a:endParaRPr lang="zh-CN" altLang="en-US" sz="2000" b="1" dirty="0">
-              <a:latin typeface="Times New Roman" panose="02020603050405020304" pitchFamily="18" charset="0"/>
-              <a:cs typeface="Times New Roman" panose="02020603050405020304" pitchFamily="18" charset="0"/>
-            </a:endParaRPr>
+            <a:endParaRPr lang="zh-CN" altLang="en-US" sz="2000" dirty="0"/>
           </a:p>
         </p:txBody>
       </p:sp>
@@ -5551,8 +5520,8 @@
         </p:nvSpPr>
         <p:spPr>
           <a:xfrm>
-            <a:off x="3107942" y="5280515"/>
-            <a:ext cx="2322611" cy="1631216"/>
+            <a:off x="3096172" y="5356883"/>
+            <a:ext cx="2322611" cy="1200329"/>
           </a:xfrm>
           <a:prstGeom prst="rect">
             <a:avLst/>
@@ -5567,16 +5536,10 @@
           <a:p>
             <a:pPr algn="l"/>
             <a:r>
-              <a:rPr lang="en-US" altLang="zh-CN" sz="2000" b="1" dirty="0">
-                <a:latin typeface="Times New Roman" panose="02020603050405020304" pitchFamily="18" charset="0"/>
-                <a:cs typeface="Times New Roman" panose="02020603050405020304" pitchFamily="18" charset="0"/>
-              </a:rPr>
+              <a:rPr lang="en-US" altLang="zh-CN" dirty="0"/>
               <a:t>Collect your sleep information/data like movement, snoring, heart rates, etc.</a:t>
             </a:r>
-            <a:endParaRPr lang="zh-CN" altLang="en-US" sz="2000" b="1" dirty="0">
-              <a:latin typeface="Times New Roman" panose="02020603050405020304" pitchFamily="18" charset="0"/>
-              <a:cs typeface="Times New Roman" panose="02020603050405020304" pitchFamily="18" charset="0"/>
-            </a:endParaRPr>
+            <a:endParaRPr lang="zh-CN" altLang="en-US" dirty="0"/>
           </a:p>
         </p:txBody>
       </p:sp>
@@ -5610,16 +5573,10 @@
           <a:p>
             <a:pPr algn="l"/>
             <a:r>
-              <a:rPr lang="en-US" altLang="zh-CN" sz="2000" b="1" dirty="0">
-                <a:latin typeface="Times New Roman" panose="02020603050405020304" pitchFamily="18" charset="0"/>
-                <a:cs typeface="Times New Roman" panose="02020603050405020304" pitchFamily="18" charset="0"/>
-              </a:rPr>
+              <a:rPr lang="en-US" altLang="zh-CN" sz="2000" dirty="0"/>
               <a:t>Use Raspberry PI to analyze data and evaluate your sleep quality</a:t>
             </a:r>
-            <a:endParaRPr lang="zh-CN" altLang="en-US" sz="2000" b="1" dirty="0">
-              <a:latin typeface="Times New Roman" panose="02020603050405020304" pitchFamily="18" charset="0"/>
-              <a:cs typeface="Times New Roman" panose="02020603050405020304" pitchFamily="18" charset="0"/>
-            </a:endParaRPr>
+            <a:endParaRPr lang="zh-CN" altLang="en-US" sz="2000" dirty="0"/>
           </a:p>
         </p:txBody>
       </p:sp>
@@ -5637,8 +5594,8 @@
         </p:nvSpPr>
         <p:spPr>
           <a:xfrm>
-            <a:off x="8724511" y="5138836"/>
-            <a:ext cx="2322611" cy="1631216"/>
+            <a:off x="8691276" y="5280760"/>
+            <a:ext cx="2322611" cy="1200329"/>
           </a:xfrm>
           <a:prstGeom prst="rect">
             <a:avLst/>
@@ -5653,16 +5610,10 @@
           <a:p>
             <a:pPr algn="l"/>
             <a:r>
-              <a:rPr lang="en-US" altLang="zh-CN" sz="2000" b="1" dirty="0">
-                <a:latin typeface="Times New Roman" panose="02020603050405020304" pitchFamily="18" charset="0"/>
-                <a:cs typeface="Times New Roman" panose="02020603050405020304" pitchFamily="18" charset="0"/>
-              </a:rPr>
+              <a:rPr lang="en-US" altLang="zh-CN" dirty="0"/>
               <a:t>Download the report from server and check it on your PC/mobile phones!</a:t>
             </a:r>
-            <a:endParaRPr lang="zh-CN" altLang="en-US" sz="2000" b="1" dirty="0">
-              <a:latin typeface="Times New Roman" panose="02020603050405020304" pitchFamily="18" charset="0"/>
-              <a:cs typeface="Times New Roman" panose="02020603050405020304" pitchFamily="18" charset="0"/>
-            </a:endParaRPr>
+            <a:endParaRPr lang="zh-CN" altLang="en-US" dirty="0"/>
           </a:p>
         </p:txBody>
       </p:sp>
@@ -5681,7 +5632,7 @@
         <p:spPr>
           <a:xfrm>
             <a:off x="370378" y="136116"/>
-            <a:ext cx="2662988" cy="954107"/>
+            <a:ext cx="5953232" cy="769441"/>
           </a:xfrm>
           <a:prstGeom prst="rect">
             <a:avLst/>
@@ -5696,15 +5647,17 @@
           <a:p>
             <a:pPr algn="l"/>
             <a:r>
-              <a:rPr lang="en-US" altLang="zh-CN" sz="2800" b="1" dirty="0">
-                <a:latin typeface="Times New Roman" panose="02020603050405020304" pitchFamily="18" charset="0"/>
-                <a:cs typeface="Times New Roman" panose="02020603050405020304" pitchFamily="18" charset="0"/>
+              <a:rPr lang="en-US" altLang="zh-CN" sz="4400" dirty="0">
+                <a:latin typeface="+mj-lt"/>
+                <a:ea typeface="+mj-ea"/>
+                <a:cs typeface="+mj-cs"/>
               </a:rPr>
               <a:t>Working demonstration</a:t>
             </a:r>
-            <a:endParaRPr lang="zh-CN" altLang="en-US" sz="2800" b="1" dirty="0">
-              <a:latin typeface="Times New Roman" panose="02020603050405020304" pitchFamily="18" charset="0"/>
-              <a:cs typeface="Times New Roman" panose="02020603050405020304" pitchFamily="18" charset="0"/>
+            <a:endParaRPr lang="zh-CN" altLang="en-US" sz="4400" dirty="0">
+              <a:latin typeface="+mj-lt"/>
+              <a:ea typeface="+mj-ea"/>
+              <a:cs typeface="+mj-cs"/>
             </a:endParaRPr>
           </a:p>
         </p:txBody>
@@ -5749,7 +5702,7 @@
         <p:spPr>
           <a:xfrm>
             <a:off x="4842933" y="2413337"/>
-            <a:ext cx="3186289" cy="1015663"/>
+            <a:ext cx="3186289" cy="1107996"/>
           </a:xfrm>
           <a:prstGeom prst="rect">
             <a:avLst/>
@@ -5764,12 +5717,12 @@
           <a:p>
             <a:pPr algn="l"/>
             <a:r>
-              <a:rPr lang="en-US" altLang="zh-CN" sz="6000" dirty="0">
+              <a:rPr lang="en-US" altLang="zh-CN" sz="6600" dirty="0">
                 <a:latin typeface="Blackadder ITC" pitchFamily="82" charset="0"/>
               </a:rPr>
               <a:t>Thanks</a:t>
             </a:r>
-            <a:endParaRPr lang="zh-CN" altLang="en-US" sz="6000" dirty="0">
+            <a:endParaRPr lang="zh-CN" altLang="en-US" sz="6600" dirty="0">
               <a:latin typeface="Blackadder ITC" pitchFamily="82" charset="0"/>
             </a:endParaRPr>
           </a:p>
